--- a/Apresentação Final.pptx
+++ b/Apresentação Final.pptx
@@ -10783,7 +10783,7 @@
           <a:p>
             <a:fld id="{5004B174-1E45-469F-8869-E07E3AB4918F}" type="datetime1">
               <a:rPr lang="pt-BR" smtClean="0"/>
-              <a:t>27/07/2020</a:t>
+              <a:t>28/07/2020</a:t>
             </a:fld>
             <a:endParaRPr lang="pt-BR" dirty="0"/>
           </a:p>
@@ -10951,7 +10951,7 @@
             <a:pPr rtl="0"/>
             <a:fld id="{7C8EBCC8-66A6-4000-840C-39542AEEBBE9}" type="datetime1">
               <a:rPr lang="pt-BR" smtClean="0"/>
-              <a:t>27/07/2020</a:t>
+              <a:t>28/07/2020</a:t>
             </a:fld>
             <a:endParaRPr lang="pt-BR" dirty="0"/>
           </a:p>
@@ -14346,7 +14346,7 @@
             <a:pPr rtl="0"/>
             <a:fld id="{375019F9-CD9B-4B23-A6BF-2073F59985EC}" type="datetime1">
               <a:rPr lang="pt-BR" smtClean="0"/>
-              <a:t>27/07/2020</a:t>
+              <a:t>28/07/2020</a:t>
             </a:fld>
             <a:endParaRPr lang="pt-BR" dirty="0"/>
           </a:p>
@@ -14535,7 +14535,7 @@
             <a:pPr rtl="0"/>
             <a:fld id="{1BECFD60-1741-424F-8B99-8918542B6ADC}" type="datetime1">
               <a:rPr lang="pt-BR" smtClean="0"/>
-              <a:t>27/07/2020</a:t>
+              <a:t>28/07/2020</a:t>
             </a:fld>
             <a:endParaRPr lang="pt-BR" dirty="0"/>
           </a:p>
@@ -14734,7 +14734,7 @@
             <a:pPr rtl="0"/>
             <a:fld id="{A5B55638-9225-48D5-82EC-11E71FD82E01}" type="datetime1">
               <a:rPr lang="pt-BR" smtClean="0"/>
-              <a:t>27/07/2020</a:t>
+              <a:t>28/07/2020</a:t>
             </a:fld>
             <a:endParaRPr lang="pt-BR" dirty="0"/>
           </a:p>
@@ -14923,7 +14923,7 @@
             <a:pPr rtl="0"/>
             <a:fld id="{CE888792-EE31-4F3D-AE6C-D78083AF5D09}" type="datetime1">
               <a:rPr lang="pt-BR" smtClean="0"/>
-              <a:t>27/07/2020</a:t>
+              <a:t>28/07/2020</a:t>
             </a:fld>
             <a:endParaRPr lang="pt-BR" dirty="0"/>
           </a:p>
@@ -15175,7 +15175,7 @@
             <a:pPr rtl="0"/>
             <a:fld id="{F1D92E80-FE63-4FD3-8C4B-46E1B7DD0C14}" type="datetime1">
               <a:rPr lang="pt-BR" smtClean="0"/>
-              <a:t>27/07/2020</a:t>
+              <a:t>28/07/2020</a:t>
             </a:fld>
             <a:endParaRPr lang="pt-BR" dirty="0"/>
           </a:p>
@@ -15463,7 +15463,7 @@
             <a:pPr rtl="0"/>
             <a:fld id="{0C4574D3-461D-403C-B70F-70CAFFC5040D}" type="datetime1">
               <a:rPr lang="pt-BR" smtClean="0"/>
-              <a:t>27/07/2020</a:t>
+              <a:t>28/07/2020</a:t>
             </a:fld>
             <a:endParaRPr lang="pt-BR" dirty="0"/>
           </a:p>
@@ -15865,7 +15865,7 @@
             <a:pPr rtl="0"/>
             <a:fld id="{F3E58199-174D-4ECD-B75D-C27F3606E03D}" type="datetime1">
               <a:rPr lang="pt-BR" smtClean="0"/>
-              <a:t>27/07/2020</a:t>
+              <a:t>28/07/2020</a:t>
             </a:fld>
             <a:endParaRPr lang="pt-BR" dirty="0"/>
           </a:p>
@@ -16039,7 +16039,7 @@
             <a:pPr rtl="0"/>
             <a:fld id="{DB352B12-082C-4096-B726-1F111A5684A7}" type="datetime1">
               <a:rPr lang="pt-BR" smtClean="0"/>
-              <a:t>27/07/2020</a:t>
+              <a:t>28/07/2020</a:t>
             </a:fld>
             <a:endParaRPr lang="pt-BR" dirty="0"/>
           </a:p>
@@ -16152,7 +16152,7 @@
             <a:pPr rtl="0"/>
             <a:fld id="{406916AB-2E02-4325-9297-69F9388ED251}" type="datetime1">
               <a:rPr lang="pt-BR" smtClean="0"/>
-              <a:t>27/07/2020</a:t>
+              <a:t>28/07/2020</a:t>
             </a:fld>
             <a:endParaRPr lang="pt-BR" dirty="0"/>
           </a:p>
@@ -16437,7 +16437,7 @@
             <a:pPr rtl="0"/>
             <a:fld id="{9B25822E-7729-44B7-8A1B-DC2E54C85EFB}" type="datetime1">
               <a:rPr lang="pt-BR" smtClean="0"/>
-              <a:t>27/07/2020</a:t>
+              <a:t>28/07/2020</a:t>
             </a:fld>
             <a:endParaRPr lang="pt-BR" dirty="0"/>
           </a:p>
@@ -16796,7 +16796,7 @@
             <a:pPr rtl="0"/>
             <a:fld id="{667CADFA-5F1D-4AFA-A0E2-AD771F26F693}" type="datetime1">
               <a:rPr lang="pt-BR" smtClean="0"/>
-              <a:t>27/07/2020</a:t>
+              <a:t>28/07/2020</a:t>
             </a:fld>
             <a:endParaRPr lang="pt-BR" dirty="0"/>
           </a:p>
@@ -17834,7 +17834,7 @@
             <a:pPr rtl="0"/>
             <a:fld id="{622768F7-F621-447A-BCB5-382C8A877F77}" type="datetime1">
               <a:rPr lang="pt-BR" smtClean="0"/>
-              <a:t>27/07/2020</a:t>
+              <a:t>28/07/2020</a:t>
             </a:fld>
             <a:endParaRPr lang="pt-BR" dirty="0"/>
           </a:p>
@@ -34250,7 +34250,7 @@
           <a:p>
             <a:r>
               <a:rPr lang="pt-BR" u="sng" dirty="0" err="1"/>
-              <a:t>ClassBrench</a:t>
+              <a:t>ClassBench</a:t>
             </a:r>
             <a:r>
               <a:rPr lang="pt-BR" u="sng" dirty="0"/>
@@ -37781,7 +37781,7 @@
           <a:p>
             <a:r>
               <a:rPr lang="pt-BR" u="sng" dirty="0" err="1"/>
-              <a:t>ClassBrench</a:t>
+              <a:t>ClassBench</a:t>
             </a:r>
             <a:r>
               <a:rPr lang="pt-BR" u="sng" dirty="0"/>
